--- a/doc/chart/3d_transform.pptx
+++ b/doc/chart/3d_transform.pptx
@@ -8,6 +8,7 @@
     <p:sldId id="257" r:id="rId2"/>
     <p:sldId id="258" r:id="rId3"/>
     <p:sldId id="259" r:id="rId4"/>
+    <p:sldId id="260" r:id="rId5"/>
   </p:sldIdLst>
   <p:sldSz cx="12192000" cy="6858000"/>
   <p:notesSz cx="6858000" cy="9144000"/>
@@ -261,7 +262,7 @@
           <a:p>
             <a:fld id="{B78AF9D3-5E12-43C6-9D18-AECEC0920EE1}" type="datetimeFigureOut">
               <a:rPr lang="zh-CN" altLang="en-US" smtClean="0"/>
-              <a:t>2021/5/26</a:t>
+              <a:t>2021/10/28</a:t>
             </a:fld>
             <a:endParaRPr lang="zh-CN" altLang="en-US"/>
           </a:p>
@@ -459,7 +460,7 @@
           <a:p>
             <a:fld id="{B78AF9D3-5E12-43C6-9D18-AECEC0920EE1}" type="datetimeFigureOut">
               <a:rPr lang="zh-CN" altLang="en-US" smtClean="0"/>
-              <a:t>2021/5/26</a:t>
+              <a:t>2021/10/28</a:t>
             </a:fld>
             <a:endParaRPr lang="zh-CN" altLang="en-US"/>
           </a:p>
@@ -667,7 +668,7 @@
           <a:p>
             <a:fld id="{B78AF9D3-5E12-43C6-9D18-AECEC0920EE1}" type="datetimeFigureOut">
               <a:rPr lang="zh-CN" altLang="en-US" smtClean="0"/>
-              <a:t>2021/5/26</a:t>
+              <a:t>2021/10/28</a:t>
             </a:fld>
             <a:endParaRPr lang="zh-CN" altLang="en-US"/>
           </a:p>
@@ -865,7 +866,7 @@
           <a:p>
             <a:fld id="{B78AF9D3-5E12-43C6-9D18-AECEC0920EE1}" type="datetimeFigureOut">
               <a:rPr lang="zh-CN" altLang="en-US" smtClean="0"/>
-              <a:t>2021/5/26</a:t>
+              <a:t>2021/10/28</a:t>
             </a:fld>
             <a:endParaRPr lang="zh-CN" altLang="en-US"/>
           </a:p>
@@ -1140,7 +1141,7 @@
           <a:p>
             <a:fld id="{B78AF9D3-5E12-43C6-9D18-AECEC0920EE1}" type="datetimeFigureOut">
               <a:rPr lang="zh-CN" altLang="en-US" smtClean="0"/>
-              <a:t>2021/5/26</a:t>
+              <a:t>2021/10/28</a:t>
             </a:fld>
             <a:endParaRPr lang="zh-CN" altLang="en-US"/>
           </a:p>
@@ -1405,7 +1406,7 @@
           <a:p>
             <a:fld id="{B78AF9D3-5E12-43C6-9D18-AECEC0920EE1}" type="datetimeFigureOut">
               <a:rPr lang="zh-CN" altLang="en-US" smtClean="0"/>
-              <a:t>2021/5/26</a:t>
+              <a:t>2021/10/28</a:t>
             </a:fld>
             <a:endParaRPr lang="zh-CN" altLang="en-US"/>
           </a:p>
@@ -1817,7 +1818,7 @@
           <a:p>
             <a:fld id="{B78AF9D3-5E12-43C6-9D18-AECEC0920EE1}" type="datetimeFigureOut">
               <a:rPr lang="zh-CN" altLang="en-US" smtClean="0"/>
-              <a:t>2021/5/26</a:t>
+              <a:t>2021/10/28</a:t>
             </a:fld>
             <a:endParaRPr lang="zh-CN" altLang="en-US"/>
           </a:p>
@@ -1958,7 +1959,7 @@
           <a:p>
             <a:fld id="{B78AF9D3-5E12-43C6-9D18-AECEC0920EE1}" type="datetimeFigureOut">
               <a:rPr lang="zh-CN" altLang="en-US" smtClean="0"/>
-              <a:t>2021/5/26</a:t>
+              <a:t>2021/10/28</a:t>
             </a:fld>
             <a:endParaRPr lang="zh-CN" altLang="en-US"/>
           </a:p>
@@ -2071,7 +2072,7 @@
           <a:p>
             <a:fld id="{B78AF9D3-5E12-43C6-9D18-AECEC0920EE1}" type="datetimeFigureOut">
               <a:rPr lang="zh-CN" altLang="en-US" smtClean="0"/>
-              <a:t>2021/5/26</a:t>
+              <a:t>2021/10/28</a:t>
             </a:fld>
             <a:endParaRPr lang="zh-CN" altLang="en-US"/>
           </a:p>
@@ -2382,7 +2383,7 @@
           <a:p>
             <a:fld id="{B78AF9D3-5E12-43C6-9D18-AECEC0920EE1}" type="datetimeFigureOut">
               <a:rPr lang="zh-CN" altLang="en-US" smtClean="0"/>
-              <a:t>2021/5/26</a:t>
+              <a:t>2021/10/28</a:t>
             </a:fld>
             <a:endParaRPr lang="zh-CN" altLang="en-US"/>
           </a:p>
@@ -2670,7 +2671,7 @@
           <a:p>
             <a:fld id="{B78AF9D3-5E12-43C6-9D18-AECEC0920EE1}" type="datetimeFigureOut">
               <a:rPr lang="zh-CN" altLang="en-US" smtClean="0"/>
-              <a:t>2021/5/26</a:t>
+              <a:t>2021/10/28</a:t>
             </a:fld>
             <a:endParaRPr lang="zh-CN" altLang="en-US"/>
           </a:p>
@@ -2911,7 +2912,7 @@
           <a:p>
             <a:fld id="{B78AF9D3-5E12-43C6-9D18-AECEC0920EE1}" type="datetimeFigureOut">
               <a:rPr lang="zh-CN" altLang="en-US" smtClean="0"/>
-              <a:t>2021/5/26</a:t>
+              <a:t>2021/10/28</a:t>
             </a:fld>
             <a:endParaRPr lang="zh-CN" altLang="en-US"/>
           </a:p>
@@ -4803,8 +4804,8 @@
           </a:p>
         </p:txBody>
       </p:sp>
-      <mc:AlternateContent xmlns:mc="http://schemas.openxmlformats.org/markup-compatibility/2006">
-        <mc:Choice xmlns:a14="http://schemas.microsoft.com/office/drawing/2010/main" Requires="a14">
+      <mc:AlternateContent xmlns:mc="http://schemas.openxmlformats.org/markup-compatibility/2006" xmlns:a14="http://schemas.microsoft.com/office/drawing/2010/main">
+        <mc:Choice Requires="a14">
           <p:sp>
             <p:nvSpPr>
               <p:cNvPr id="31" name="文本框 30">
@@ -4963,7 +4964,7 @@
             </p:txBody>
           </p:sp>
         </mc:Choice>
-        <mc:Fallback>
+        <mc:Fallback xmlns="">
           <p:sp>
             <p:nvSpPr>
               <p:cNvPr id="31" name="文本框 30">
@@ -5008,8 +5009,8 @@
           </p:sp>
         </mc:Fallback>
       </mc:AlternateContent>
-      <mc:AlternateContent xmlns:mc="http://schemas.openxmlformats.org/markup-compatibility/2006">
-        <mc:Choice xmlns:a14="http://schemas.microsoft.com/office/drawing/2010/main" Requires="a14">
+      <mc:AlternateContent xmlns:mc="http://schemas.openxmlformats.org/markup-compatibility/2006" xmlns:a14="http://schemas.microsoft.com/office/drawing/2010/main">
+        <mc:Choice Requires="a14">
           <p:sp>
             <p:nvSpPr>
               <p:cNvPr id="32" name="文本框 31">
@@ -5130,7 +5131,7 @@
             </p:txBody>
           </p:sp>
         </mc:Choice>
-        <mc:Fallback>
+        <mc:Fallback xmlns="">
           <p:sp>
             <p:nvSpPr>
               <p:cNvPr id="32" name="文本框 31">
@@ -5262,8 +5263,8 @@
           </a:fontRef>
         </p:style>
       </p:cxnSp>
-      <mc:AlternateContent xmlns:mc="http://schemas.openxmlformats.org/markup-compatibility/2006">
-        <mc:Choice xmlns:a14="http://schemas.microsoft.com/office/drawing/2010/main" Requires="a14">
+      <mc:AlternateContent xmlns:mc="http://schemas.openxmlformats.org/markup-compatibility/2006" xmlns:a14="http://schemas.microsoft.com/office/drawing/2010/main">
+        <mc:Choice Requires="a14">
           <p:sp>
             <p:nvSpPr>
               <p:cNvPr id="42" name="文本框 41">
@@ -5446,7 +5447,7 @@
             </p:txBody>
           </p:sp>
         </mc:Choice>
-        <mc:Fallback>
+        <mc:Fallback xmlns="">
           <p:sp>
             <p:nvSpPr>
               <p:cNvPr id="42" name="文本框 41">
@@ -5662,8 +5663,8 @@
           </a:p>
         </p:txBody>
       </p:sp>
-      <mc:AlternateContent xmlns:mc="http://schemas.openxmlformats.org/markup-compatibility/2006">
-        <mc:Choice xmlns:a14="http://schemas.microsoft.com/office/drawing/2010/main" Requires="a14">
+      <mc:AlternateContent xmlns:mc="http://schemas.openxmlformats.org/markup-compatibility/2006" xmlns:a14="http://schemas.microsoft.com/office/drawing/2010/main">
+        <mc:Choice Requires="a14">
           <p:sp>
             <p:nvSpPr>
               <p:cNvPr id="35" name="文本框 34">
@@ -5819,7 +5820,7 @@
             </p:txBody>
           </p:sp>
         </mc:Choice>
-        <mc:Fallback>
+        <mc:Fallback xmlns="">
           <p:sp>
             <p:nvSpPr>
               <p:cNvPr id="35" name="文本框 34">
@@ -6255,6 +6256,228 @@
     <p:extLst>
       <p:ext uri="{BB962C8B-B14F-4D97-AF65-F5344CB8AC3E}">
         <p14:creationId xmlns:p14="http://schemas.microsoft.com/office/powerpoint/2010/main" val="1056638682"/>
+      </p:ext>
+    </p:extLst>
+  </p:cSld>
+  <p:clrMapOvr>
+    <a:masterClrMapping/>
+  </p:clrMapOvr>
+</p:sld>
+</file>
+
+<file path=ppt/slides/slide4.xml><?xml version="1.0" encoding="utf-8"?>
+<p:sld xmlns:a="http://schemas.openxmlformats.org/drawingml/2006/main" xmlns:r="http://schemas.openxmlformats.org/officeDocument/2006/relationships" xmlns:p="http://schemas.openxmlformats.org/presentationml/2006/main">
+  <p:cSld>
+    <p:spTree>
+      <p:nvGrpSpPr>
+        <p:cNvPr id="1" name=""/>
+        <p:cNvGrpSpPr/>
+        <p:nvPr/>
+      </p:nvGrpSpPr>
+      <p:grpSpPr>
+        <a:xfrm>
+          <a:off x="0" y="0"/>
+          <a:ext cx="0" cy="0"/>
+          <a:chOff x="0" y="0"/>
+          <a:chExt cx="0" cy="0"/>
+        </a:xfrm>
+      </p:grpSpPr>
+      <p:pic>
+        <p:nvPicPr>
+          <p:cNvPr id="3" name="图片 2">
+            <a:extLst>
+              <a:ext uri="{FF2B5EF4-FFF2-40B4-BE49-F238E27FC236}">
+                <a16:creationId xmlns:a16="http://schemas.microsoft.com/office/drawing/2014/main" id="{30EDC24A-8B48-425F-9EF3-D9EB1E29C966}"/>
+              </a:ext>
+            </a:extLst>
+          </p:cNvPr>
+          <p:cNvPicPr>
+            <a:picLocks noChangeAspect="1"/>
+          </p:cNvPicPr>
+          <p:nvPr/>
+        </p:nvPicPr>
+        <p:blipFill>
+          <a:blip r:embed="rId2"/>
+          <a:stretch>
+            <a:fillRect/>
+          </a:stretch>
+        </p:blipFill>
+        <p:spPr>
+          <a:xfrm>
+            <a:off x="1287363" y="129254"/>
+            <a:ext cx="9617273" cy="6599492"/>
+          </a:xfrm>
+          <a:prstGeom prst="rect">
+            <a:avLst/>
+          </a:prstGeom>
+        </p:spPr>
+      </p:pic>
+      <p:cxnSp>
+        <p:nvCxnSpPr>
+          <p:cNvPr id="5" name="直接箭头连接符 4">
+            <a:extLst>
+              <a:ext uri="{FF2B5EF4-FFF2-40B4-BE49-F238E27FC236}">
+                <a16:creationId xmlns:a16="http://schemas.microsoft.com/office/drawing/2014/main" id="{80983FA0-0DD2-4C7C-85BE-4E293C6D8447}"/>
+              </a:ext>
+            </a:extLst>
+          </p:cNvPr>
+          <p:cNvCxnSpPr>
+            <a:cxnSpLocks/>
+          </p:cNvCxnSpPr>
+          <p:nvPr/>
+        </p:nvCxnSpPr>
+        <p:spPr>
+          <a:xfrm flipV="1">
+            <a:off x="4523509" y="4810991"/>
+            <a:ext cx="595746" cy="445208"/>
+          </a:xfrm>
+          <a:prstGeom prst="straightConnector1">
+            <a:avLst/>
+          </a:prstGeom>
+          <a:ln w="28575">
+            <a:solidFill>
+              <a:schemeClr val="tx1"/>
+            </a:solidFill>
+            <a:tailEnd type="triangle"/>
+          </a:ln>
+        </p:spPr>
+        <p:style>
+          <a:lnRef idx="1">
+            <a:schemeClr val="accent1"/>
+          </a:lnRef>
+          <a:fillRef idx="0">
+            <a:schemeClr val="accent1"/>
+          </a:fillRef>
+          <a:effectRef idx="0">
+            <a:schemeClr val="accent1"/>
+          </a:effectRef>
+          <a:fontRef idx="minor">
+            <a:schemeClr val="tx1"/>
+          </a:fontRef>
+        </p:style>
+      </p:cxnSp>
+      <p:cxnSp>
+        <p:nvCxnSpPr>
+          <p:cNvPr id="6" name="直接箭头连接符 5">
+            <a:extLst>
+              <a:ext uri="{FF2B5EF4-FFF2-40B4-BE49-F238E27FC236}">
+                <a16:creationId xmlns:a16="http://schemas.microsoft.com/office/drawing/2014/main" id="{EF8438FE-ED21-4753-A5B1-E3C0AFA10700}"/>
+              </a:ext>
+            </a:extLst>
+          </p:cNvPr>
+          <p:cNvCxnSpPr>
+            <a:cxnSpLocks/>
+          </p:cNvCxnSpPr>
+          <p:nvPr/>
+        </p:nvCxnSpPr>
+        <p:spPr>
+          <a:xfrm flipV="1">
+            <a:off x="4523509" y="4378036"/>
+            <a:ext cx="0" cy="865910"/>
+          </a:xfrm>
+          <a:prstGeom prst="straightConnector1">
+            <a:avLst/>
+          </a:prstGeom>
+          <a:ln w="28575">
+            <a:solidFill>
+              <a:schemeClr val="tx1"/>
+            </a:solidFill>
+            <a:tailEnd type="triangle"/>
+          </a:ln>
+        </p:spPr>
+        <p:style>
+          <a:lnRef idx="1">
+            <a:schemeClr val="accent1"/>
+          </a:lnRef>
+          <a:fillRef idx="0">
+            <a:schemeClr val="accent1"/>
+          </a:fillRef>
+          <a:effectRef idx="0">
+            <a:schemeClr val="accent1"/>
+          </a:effectRef>
+          <a:fontRef idx="minor">
+            <a:schemeClr val="tx1"/>
+          </a:fontRef>
+        </p:style>
+      </p:cxnSp>
+      <p:sp>
+        <p:nvSpPr>
+          <p:cNvPr id="10" name="文本框 9">
+            <a:extLst>
+              <a:ext uri="{FF2B5EF4-FFF2-40B4-BE49-F238E27FC236}">
+                <a16:creationId xmlns:a16="http://schemas.microsoft.com/office/drawing/2014/main" id="{9CF5CB6C-CE05-4B5F-B8E4-32402BB46C02}"/>
+              </a:ext>
+            </a:extLst>
+          </p:cNvPr>
+          <p:cNvSpPr txBox="1"/>
+          <p:nvPr/>
+        </p:nvSpPr>
+        <p:spPr>
+          <a:xfrm>
+            <a:off x="4336473" y="4058289"/>
+            <a:ext cx="187030" cy="369332"/>
+          </a:xfrm>
+          <a:prstGeom prst="rect">
+            <a:avLst/>
+          </a:prstGeom>
+          <a:noFill/>
+        </p:spPr>
+        <p:txBody>
+          <a:bodyPr wrap="square" rtlCol="0">
+            <a:spAutoFit/>
+          </a:bodyPr>
+          <a:lstStyle/>
+          <a:p>
+            <a:pPr algn="r"/>
+            <a:r>
+              <a:rPr lang="en-US" altLang="zh-CN" b="1" dirty="0"/>
+              <a:t>u</a:t>
+            </a:r>
+            <a:endParaRPr lang="zh-CN" altLang="en-US" b="1" dirty="0"/>
+          </a:p>
+        </p:txBody>
+      </p:sp>
+      <p:sp>
+        <p:nvSpPr>
+          <p:cNvPr id="11" name="文本框 10">
+            <a:extLst>
+              <a:ext uri="{FF2B5EF4-FFF2-40B4-BE49-F238E27FC236}">
+                <a16:creationId xmlns:a16="http://schemas.microsoft.com/office/drawing/2014/main" id="{99A1DAC1-7461-44F4-8DCF-95D05E280677}"/>
+              </a:ext>
+            </a:extLst>
+          </p:cNvPr>
+          <p:cNvSpPr txBox="1"/>
+          <p:nvPr/>
+        </p:nvSpPr>
+        <p:spPr>
+          <a:xfrm>
+            <a:off x="5081154" y="4557053"/>
+            <a:ext cx="223407" cy="369332"/>
+          </a:xfrm>
+          <a:prstGeom prst="rect">
+            <a:avLst/>
+          </a:prstGeom>
+          <a:noFill/>
+        </p:spPr>
+        <p:txBody>
+          <a:bodyPr wrap="square" rtlCol="0">
+            <a:spAutoFit/>
+          </a:bodyPr>
+          <a:lstStyle/>
+          <a:p>
+            <a:pPr algn="r"/>
+            <a:r>
+              <a:rPr lang="en-US" altLang="zh-CN" b="1" dirty="0"/>
+              <a:t>v</a:t>
+            </a:r>
+            <a:endParaRPr lang="zh-CN" altLang="en-US" b="1" dirty="0"/>
+          </a:p>
+        </p:txBody>
+      </p:sp>
+    </p:spTree>
+    <p:extLst>
+      <p:ext uri="{BB962C8B-B14F-4D97-AF65-F5344CB8AC3E}">
+        <p14:creationId xmlns:p14="http://schemas.microsoft.com/office/powerpoint/2010/main" val="971811282"/>
       </p:ext>
     </p:extLst>
   </p:cSld>
